--- a/Exemplo de Padrão de Projeto.pptx
+++ b/Exemplo de Padrão de Projeto.pptx
@@ -8,6 +8,10 @@
     <p:sldId id="256" r:id="rId2"/>
     <p:sldId id="257" r:id="rId3"/>
     <p:sldId id="258" r:id="rId4"/>
+    <p:sldId id="259" r:id="rId5"/>
+    <p:sldId id="260" r:id="rId6"/>
+    <p:sldId id="261" r:id="rId7"/>
+    <p:sldId id="262" r:id="rId8"/>
   </p:sldIdLst>
   <p:sldSz cx="9144000" cy="6858000" type="screen4x3"/>
   <p:notesSz cx="6858000" cy="9144000"/>
@@ -290,7 +294,7 @@
           <a:p>
             <a:fld id="{3E75C6F3-D380-4A83-84D3-2F7C853336B6}" type="datetimeFigureOut">
               <a:rPr lang="pt-BR" smtClean="0"/>
-              <a:t>06/11/2014</a:t>
+              <a:t>07/11/2014</a:t>
             </a:fld>
             <a:endParaRPr lang="pt-BR"/>
           </a:p>
@@ -460,7 +464,7 @@
           <a:p>
             <a:fld id="{3E75C6F3-D380-4A83-84D3-2F7C853336B6}" type="datetimeFigureOut">
               <a:rPr lang="pt-BR" smtClean="0"/>
-              <a:t>06/11/2014</a:t>
+              <a:t>07/11/2014</a:t>
             </a:fld>
             <a:endParaRPr lang="pt-BR"/>
           </a:p>
@@ -640,7 +644,7 @@
           <a:p>
             <a:fld id="{3E75C6F3-D380-4A83-84D3-2F7C853336B6}" type="datetimeFigureOut">
               <a:rPr lang="pt-BR" smtClean="0"/>
-              <a:t>06/11/2014</a:t>
+              <a:t>07/11/2014</a:t>
             </a:fld>
             <a:endParaRPr lang="pt-BR"/>
           </a:p>
@@ -810,7 +814,7 @@
           <a:p>
             <a:fld id="{3E75C6F3-D380-4A83-84D3-2F7C853336B6}" type="datetimeFigureOut">
               <a:rPr lang="pt-BR" smtClean="0"/>
-              <a:t>06/11/2014</a:t>
+              <a:t>07/11/2014</a:t>
             </a:fld>
             <a:endParaRPr lang="pt-BR"/>
           </a:p>
@@ -1056,7 +1060,7 @@
           <a:p>
             <a:fld id="{3E75C6F3-D380-4A83-84D3-2F7C853336B6}" type="datetimeFigureOut">
               <a:rPr lang="pt-BR" smtClean="0"/>
-              <a:t>06/11/2014</a:t>
+              <a:t>07/11/2014</a:t>
             </a:fld>
             <a:endParaRPr lang="pt-BR"/>
           </a:p>
@@ -1344,7 +1348,7 @@
           <a:p>
             <a:fld id="{3E75C6F3-D380-4A83-84D3-2F7C853336B6}" type="datetimeFigureOut">
               <a:rPr lang="pt-BR" smtClean="0"/>
-              <a:t>06/11/2014</a:t>
+              <a:t>07/11/2014</a:t>
             </a:fld>
             <a:endParaRPr lang="pt-BR"/>
           </a:p>
@@ -1766,7 +1770,7 @@
           <a:p>
             <a:fld id="{3E75C6F3-D380-4A83-84D3-2F7C853336B6}" type="datetimeFigureOut">
               <a:rPr lang="pt-BR" smtClean="0"/>
-              <a:t>06/11/2014</a:t>
+              <a:t>07/11/2014</a:t>
             </a:fld>
             <a:endParaRPr lang="pt-BR"/>
           </a:p>
@@ -1884,7 +1888,7 @@
           <a:p>
             <a:fld id="{3E75C6F3-D380-4A83-84D3-2F7C853336B6}" type="datetimeFigureOut">
               <a:rPr lang="pt-BR" smtClean="0"/>
-              <a:t>06/11/2014</a:t>
+              <a:t>07/11/2014</a:t>
             </a:fld>
             <a:endParaRPr lang="pt-BR"/>
           </a:p>
@@ -1979,7 +1983,7 @@
           <a:p>
             <a:fld id="{3E75C6F3-D380-4A83-84D3-2F7C853336B6}" type="datetimeFigureOut">
               <a:rPr lang="pt-BR" smtClean="0"/>
-              <a:t>06/11/2014</a:t>
+              <a:t>07/11/2014</a:t>
             </a:fld>
             <a:endParaRPr lang="pt-BR"/>
           </a:p>
@@ -2256,7 +2260,7 @@
           <a:p>
             <a:fld id="{3E75C6F3-D380-4A83-84D3-2F7C853336B6}" type="datetimeFigureOut">
               <a:rPr lang="pt-BR" smtClean="0"/>
-              <a:t>06/11/2014</a:t>
+              <a:t>07/11/2014</a:t>
             </a:fld>
             <a:endParaRPr lang="pt-BR"/>
           </a:p>
@@ -2509,7 +2513,7 @@
           <a:p>
             <a:fld id="{3E75C6F3-D380-4A83-84D3-2F7C853336B6}" type="datetimeFigureOut">
               <a:rPr lang="pt-BR" smtClean="0"/>
-              <a:t>06/11/2014</a:t>
+              <a:t>07/11/2014</a:t>
             </a:fld>
             <a:endParaRPr lang="pt-BR"/>
           </a:p>
@@ -2722,7 +2726,7 @@
           <a:p>
             <a:fld id="{3E75C6F3-D380-4A83-84D3-2F7C853336B6}" type="datetimeFigureOut">
               <a:rPr lang="pt-BR" smtClean="0"/>
-              <a:t>06/11/2014</a:t>
+              <a:t>07/11/2014</a:t>
             </a:fld>
             <a:endParaRPr lang="pt-BR"/>
           </a:p>
@@ -3114,7 +3118,19 @@
           <a:p>
             <a:r>
               <a:rPr lang="pt-BR" dirty="0" smtClean="0"/>
-              <a:t>Exemplo de Padrão de Projeto</a:t>
+              <a:t>Exemplos </a:t>
+            </a:r>
+            <a:r>
+              <a:rPr lang="pt-BR" dirty="0" smtClean="0"/>
+              <a:t>de </a:t>
+            </a:r>
+            <a:r>
+              <a:rPr lang="pt-BR" dirty="0" smtClean="0"/>
+              <a:t>Padrões </a:t>
+            </a:r>
+            <a:r>
+              <a:rPr lang="pt-BR" dirty="0" smtClean="0"/>
+              <a:t>de Projeto</a:t>
             </a:r>
             <a:endParaRPr lang="pt-BR" dirty="0"/>
           </a:p>
@@ -3186,7 +3202,7 @@
           <a:p>
             <a:r>
               <a:rPr lang="pt-BR" dirty="0" smtClean="0"/>
-              <a:t>Problema</a:t>
+              <a:t>Problema 1</a:t>
             </a:r>
             <a:endParaRPr lang="pt-BR" dirty="0"/>
           </a:p>
@@ -3274,7 +3290,11 @@
           <a:p>
             <a:r>
               <a:rPr lang="pt-BR" dirty="0" smtClean="0"/>
-              <a:t>Solução Padronizada</a:t>
+              <a:t>Solução </a:t>
+            </a:r>
+            <a:r>
+              <a:rPr lang="pt-BR" dirty="0" smtClean="0"/>
+              <a:t>Padronizada 1</a:t>
             </a:r>
             <a:endParaRPr lang="pt-BR" dirty="0"/>
           </a:p>
@@ -3354,6 +3374,384 @@
     <p:extLst>
       <p:ext uri="{BB962C8B-B14F-4D97-AF65-F5344CB8AC3E}">
         <p14:creationId xmlns:p14="http://schemas.microsoft.com/office/powerpoint/2010/main" val="1300709260"/>
+      </p:ext>
+    </p:extLst>
+  </p:cSld>
+  <p:clrMapOvr>
+    <a:masterClrMapping/>
+  </p:clrMapOvr>
+</p:sld>
+</file>
+
+<file path=ppt/slides/slide4.xml><?xml version="1.0" encoding="utf-8"?>
+<p:sld xmlns:a="http://schemas.openxmlformats.org/drawingml/2006/main" xmlns:r="http://schemas.openxmlformats.org/officeDocument/2006/relationships" xmlns:p="http://schemas.openxmlformats.org/presentationml/2006/main">
+  <p:cSld>
+    <p:spTree>
+      <p:nvGrpSpPr>
+        <p:cNvPr id="1" name=""/>
+        <p:cNvGrpSpPr/>
+        <p:nvPr/>
+      </p:nvGrpSpPr>
+      <p:grpSpPr>
+        <a:xfrm>
+          <a:off x="0" y="0"/>
+          <a:ext cx="0" cy="0"/>
+          <a:chOff x="0" y="0"/>
+          <a:chExt cx="0" cy="0"/>
+        </a:xfrm>
+      </p:grpSpPr>
+      <p:sp>
+        <p:nvSpPr>
+          <p:cNvPr id="2" name="Título 1"/>
+          <p:cNvSpPr>
+            <a:spLocks noGrp="1"/>
+          </p:cNvSpPr>
+          <p:nvPr>
+            <p:ph type="title"/>
+          </p:nvPr>
+        </p:nvSpPr>
+        <p:spPr/>
+        <p:txBody>
+          <a:bodyPr/>
+          <a:lstStyle/>
+          <a:p>
+            <a:r>
+              <a:rPr lang="pt-BR" dirty="0" smtClean="0"/>
+              <a:t>Problema 2</a:t>
+            </a:r>
+            <a:endParaRPr lang="pt-BR" dirty="0"/>
+          </a:p>
+        </p:txBody>
+      </p:sp>
+      <p:sp>
+        <p:nvSpPr>
+          <p:cNvPr id="3" name="Espaço Reservado para Conteúdo 2"/>
+          <p:cNvSpPr>
+            <a:spLocks noGrp="1"/>
+          </p:cNvSpPr>
+          <p:nvPr>
+            <p:ph idx="1"/>
+          </p:nvPr>
+        </p:nvSpPr>
+        <p:spPr/>
+        <p:txBody>
+          <a:bodyPr/>
+          <a:lstStyle/>
+          <a:p>
+            <a:r>
+              <a:rPr lang="pt-BR" dirty="0" smtClean="0"/>
+              <a:t>Fazer uma mudança no código sem causar um efeito em cascata que traria problema ao código</a:t>
+            </a:r>
+            <a:endParaRPr lang="pt-BR" dirty="0"/>
+          </a:p>
+        </p:txBody>
+      </p:sp>
+    </p:spTree>
+    <p:extLst>
+      <p:ext uri="{BB962C8B-B14F-4D97-AF65-F5344CB8AC3E}">
+        <p14:creationId xmlns:p14="http://schemas.microsoft.com/office/powerpoint/2010/main" val="1492152139"/>
+      </p:ext>
+    </p:extLst>
+  </p:cSld>
+  <p:clrMapOvr>
+    <a:masterClrMapping/>
+  </p:clrMapOvr>
+</p:sld>
+</file>
+
+<file path=ppt/slides/slide5.xml><?xml version="1.0" encoding="utf-8"?>
+<p:sld xmlns:a="http://schemas.openxmlformats.org/drawingml/2006/main" xmlns:r="http://schemas.openxmlformats.org/officeDocument/2006/relationships" xmlns:p="http://schemas.openxmlformats.org/presentationml/2006/main">
+  <p:cSld>
+    <p:spTree>
+      <p:nvGrpSpPr>
+        <p:cNvPr id="1" name=""/>
+        <p:cNvGrpSpPr/>
+        <p:nvPr/>
+      </p:nvGrpSpPr>
+      <p:grpSpPr>
+        <a:xfrm>
+          <a:off x="0" y="0"/>
+          <a:ext cx="0" cy="0"/>
+          <a:chOff x="0" y="0"/>
+          <a:chExt cx="0" cy="0"/>
+        </a:xfrm>
+      </p:grpSpPr>
+      <p:sp>
+        <p:nvSpPr>
+          <p:cNvPr id="2" name="Título 1"/>
+          <p:cNvSpPr>
+            <a:spLocks noGrp="1"/>
+          </p:cNvSpPr>
+          <p:nvPr>
+            <p:ph type="title"/>
+          </p:nvPr>
+        </p:nvSpPr>
+        <p:spPr/>
+        <p:txBody>
+          <a:bodyPr/>
+          <a:lstStyle/>
+          <a:p>
+            <a:r>
+              <a:rPr lang="pt-BR" dirty="0" smtClean="0"/>
+              <a:t>Solução Padronizada 2</a:t>
+            </a:r>
+            <a:endParaRPr lang="pt-BR" dirty="0"/>
+          </a:p>
+        </p:txBody>
+      </p:sp>
+      <p:sp>
+        <p:nvSpPr>
+          <p:cNvPr id="3" name="Espaço Reservado para Conteúdo 2"/>
+          <p:cNvSpPr>
+            <a:spLocks noGrp="1"/>
+          </p:cNvSpPr>
+          <p:nvPr>
+            <p:ph idx="1"/>
+          </p:nvPr>
+        </p:nvSpPr>
+        <p:spPr/>
+        <p:txBody>
+          <a:bodyPr/>
+          <a:lstStyle/>
+          <a:p>
+            <a:pPr marL="0" indent="0" algn="ctr">
+              <a:buNone/>
+            </a:pPr>
+            <a:r>
+              <a:rPr lang="pt-BR" dirty="0" err="1" smtClean="0"/>
+              <a:t>Adapter</a:t>
+            </a:r>
+            <a:endParaRPr lang="pt-BR" dirty="0" smtClean="0"/>
+          </a:p>
+          <a:p>
+            <a:pPr marL="0" indent="0" algn="ctr">
+              <a:buNone/>
+            </a:pPr>
+            <a:endParaRPr lang="pt-BR" dirty="0"/>
+          </a:p>
+        </p:txBody>
+      </p:sp>
+      <p:pic>
+        <p:nvPicPr>
+          <p:cNvPr id="4" name="Imagem 3"/>
+          <p:cNvPicPr>
+            <a:picLocks noChangeAspect="1"/>
+          </p:cNvPicPr>
+          <p:nvPr/>
+        </p:nvPicPr>
+        <p:blipFill>
+          <a:blip r:embed="rId2">
+            <a:extLst>
+              <a:ext uri="{28A0092B-C50C-407E-A947-70E740481C1C}">
+                <a14:useLocalDpi xmlns:a14="http://schemas.microsoft.com/office/drawing/2010/main" val="0"/>
+              </a:ext>
+            </a:extLst>
+          </a:blip>
+          <a:stretch>
+            <a:fillRect/>
+          </a:stretch>
+        </p:blipFill>
+        <p:spPr>
+          <a:xfrm>
+            <a:off x="2749952" y="2348880"/>
+            <a:ext cx="3609975" cy="2705100"/>
+          </a:xfrm>
+          <a:prstGeom prst="rect">
+            <a:avLst/>
+          </a:prstGeom>
+        </p:spPr>
+      </p:pic>
+    </p:spTree>
+    <p:extLst>
+      <p:ext uri="{BB962C8B-B14F-4D97-AF65-F5344CB8AC3E}">
+        <p14:creationId xmlns:p14="http://schemas.microsoft.com/office/powerpoint/2010/main" val="2653966465"/>
+      </p:ext>
+    </p:extLst>
+  </p:cSld>
+  <p:clrMapOvr>
+    <a:masterClrMapping/>
+  </p:clrMapOvr>
+</p:sld>
+</file>
+
+<file path=ppt/slides/slide6.xml><?xml version="1.0" encoding="utf-8"?>
+<p:sld xmlns:a="http://schemas.openxmlformats.org/drawingml/2006/main" xmlns:r="http://schemas.openxmlformats.org/officeDocument/2006/relationships" xmlns:p="http://schemas.openxmlformats.org/presentationml/2006/main">
+  <p:cSld>
+    <p:spTree>
+      <p:nvGrpSpPr>
+        <p:cNvPr id="1" name=""/>
+        <p:cNvGrpSpPr/>
+        <p:nvPr/>
+      </p:nvGrpSpPr>
+      <p:grpSpPr>
+        <a:xfrm>
+          <a:off x="0" y="0"/>
+          <a:ext cx="0" cy="0"/>
+          <a:chOff x="0" y="0"/>
+          <a:chExt cx="0" cy="0"/>
+        </a:xfrm>
+      </p:grpSpPr>
+      <p:sp>
+        <p:nvSpPr>
+          <p:cNvPr id="2" name="Título 1"/>
+          <p:cNvSpPr>
+            <a:spLocks noGrp="1"/>
+          </p:cNvSpPr>
+          <p:nvPr>
+            <p:ph type="title"/>
+          </p:nvPr>
+        </p:nvSpPr>
+        <p:spPr/>
+        <p:txBody>
+          <a:bodyPr/>
+          <a:lstStyle/>
+          <a:p>
+            <a:r>
+              <a:rPr lang="pt-BR" dirty="0" smtClean="0"/>
+              <a:t>Problema 3</a:t>
+            </a:r>
+            <a:endParaRPr lang="pt-BR" dirty="0"/>
+          </a:p>
+        </p:txBody>
+      </p:sp>
+      <p:sp>
+        <p:nvSpPr>
+          <p:cNvPr id="3" name="Espaço Reservado para Conteúdo 2"/>
+          <p:cNvSpPr>
+            <a:spLocks noGrp="1"/>
+          </p:cNvSpPr>
+          <p:nvPr>
+            <p:ph idx="1"/>
+          </p:nvPr>
+        </p:nvSpPr>
+        <p:spPr/>
+        <p:txBody>
+          <a:bodyPr/>
+          <a:lstStyle/>
+          <a:p>
+            <a:r>
+              <a:rPr lang="pt-BR" dirty="0" smtClean="0"/>
+              <a:t>Um sistema que muda de estado com frequência.</a:t>
+            </a:r>
+            <a:endParaRPr lang="pt-BR" dirty="0"/>
+          </a:p>
+        </p:txBody>
+      </p:sp>
+    </p:spTree>
+    <p:extLst>
+      <p:ext uri="{BB962C8B-B14F-4D97-AF65-F5344CB8AC3E}">
+        <p14:creationId xmlns:p14="http://schemas.microsoft.com/office/powerpoint/2010/main" val="1766808551"/>
+      </p:ext>
+    </p:extLst>
+  </p:cSld>
+  <p:clrMapOvr>
+    <a:masterClrMapping/>
+  </p:clrMapOvr>
+</p:sld>
+</file>
+
+<file path=ppt/slides/slide7.xml><?xml version="1.0" encoding="utf-8"?>
+<p:sld xmlns:a="http://schemas.openxmlformats.org/drawingml/2006/main" xmlns:r="http://schemas.openxmlformats.org/officeDocument/2006/relationships" xmlns:p="http://schemas.openxmlformats.org/presentationml/2006/main">
+  <p:cSld>
+    <p:spTree>
+      <p:nvGrpSpPr>
+        <p:cNvPr id="1" name=""/>
+        <p:cNvGrpSpPr/>
+        <p:nvPr/>
+      </p:nvGrpSpPr>
+      <p:grpSpPr>
+        <a:xfrm>
+          <a:off x="0" y="0"/>
+          <a:ext cx="0" cy="0"/>
+          <a:chOff x="0" y="0"/>
+          <a:chExt cx="0" cy="0"/>
+        </a:xfrm>
+      </p:grpSpPr>
+      <p:sp>
+        <p:nvSpPr>
+          <p:cNvPr id="2" name="Título 1"/>
+          <p:cNvSpPr>
+            <a:spLocks noGrp="1"/>
+          </p:cNvSpPr>
+          <p:nvPr>
+            <p:ph type="title"/>
+          </p:nvPr>
+        </p:nvSpPr>
+        <p:spPr/>
+        <p:txBody>
+          <a:bodyPr/>
+          <a:lstStyle/>
+          <a:p>
+            <a:r>
+              <a:rPr lang="pt-BR" dirty="0" smtClean="0"/>
+              <a:t>Solução Padronizada 3</a:t>
+            </a:r>
+            <a:endParaRPr lang="pt-BR" dirty="0"/>
+          </a:p>
+        </p:txBody>
+      </p:sp>
+      <p:sp>
+        <p:nvSpPr>
+          <p:cNvPr id="3" name="Espaço Reservado para Conteúdo 2"/>
+          <p:cNvSpPr>
+            <a:spLocks noGrp="1"/>
+          </p:cNvSpPr>
+          <p:nvPr>
+            <p:ph idx="1"/>
+          </p:nvPr>
+        </p:nvSpPr>
+        <p:spPr/>
+        <p:txBody>
+          <a:bodyPr/>
+          <a:lstStyle/>
+          <a:p>
+            <a:pPr algn="ctr"/>
+            <a:r>
+              <a:rPr lang="pt-BR" dirty="0" err="1" smtClean="0"/>
+              <a:t>State</a:t>
+            </a:r>
+            <a:endParaRPr lang="pt-BR" dirty="0" smtClean="0"/>
+          </a:p>
+          <a:p>
+            <a:pPr algn="ctr"/>
+            <a:endParaRPr lang="pt-BR" dirty="0"/>
+          </a:p>
+        </p:txBody>
+      </p:sp>
+      <p:pic>
+        <p:nvPicPr>
+          <p:cNvPr id="6" name="Imagem 5"/>
+          <p:cNvPicPr>
+            <a:picLocks noChangeAspect="1"/>
+          </p:cNvPicPr>
+          <p:nvPr/>
+        </p:nvPicPr>
+        <p:blipFill>
+          <a:blip r:embed="rId2">
+            <a:extLst>
+              <a:ext uri="{28A0092B-C50C-407E-A947-70E740481C1C}">
+                <a14:useLocalDpi xmlns:a14="http://schemas.microsoft.com/office/drawing/2010/main" val="0"/>
+              </a:ext>
+            </a:extLst>
+          </a:blip>
+          <a:stretch>
+            <a:fillRect/>
+          </a:stretch>
+        </p:blipFill>
+        <p:spPr>
+          <a:xfrm>
+            <a:off x="1868397" y="2353616"/>
+            <a:ext cx="5676900" cy="3238500"/>
+          </a:xfrm>
+          <a:prstGeom prst="rect">
+            <a:avLst/>
+          </a:prstGeom>
+        </p:spPr>
+      </p:pic>
+    </p:spTree>
+    <p:extLst>
+      <p:ext uri="{BB962C8B-B14F-4D97-AF65-F5344CB8AC3E}">
+        <p14:creationId xmlns:p14="http://schemas.microsoft.com/office/powerpoint/2010/main" val="1197556128"/>
       </p:ext>
     </p:extLst>
   </p:cSld>
